--- a/Apresentação.pptx
+++ b/Apresentação.pptx
@@ -19,6 +19,8 @@
     <p:sldId id="269" r:id="rId13"/>
     <p:sldId id="270" r:id="rId14"/>
     <p:sldId id="265" r:id="rId15"/>
+    <p:sldId id="272" r:id="rId16"/>
+    <p:sldId id="273" r:id="rId17"/>
   </p:sldIdLst>
   <p:sldSz cx="12192000" cy="6858000"/>
   <p:notesSz cx="6858000" cy="9144000"/>
@@ -117,6 +119,11 @@
       </a:defRPr>
     </a:lvl9pPr>
   </p:defaultTextStyle>
+  <p:extLst>
+    <p:ext uri="{EFAFB233-063F-42B5-8137-9DF3F51BA10A}">
+      <p15:sldGuideLst xmlns:p15="http://schemas.microsoft.com/office/powerpoint/2012/main"/>
+    </p:ext>
+  </p:extLst>
 </p:presentation>
 </file>
 
@@ -345,7 +352,7 @@
             <a:fld id="{B61BEF0D-F0BB-DE4B-95CE-6DB70DBA9567}" type="datetimeFigureOut">
               <a:rPr lang="en-US" dirty="0"/>
               <a:pPr/>
-              <a:t>6/6/2018</a:t>
+              <a:t>6/9/2018</a:t>
             </a:fld>
             <a:endParaRPr lang="en-US" dirty="0"/>
           </a:p>
@@ -674,7 +681,7 @@
             <a:fld id="{B61BEF0D-F0BB-DE4B-95CE-6DB70DBA9567}" type="datetimeFigureOut">
               <a:rPr lang="en-US" dirty="0"/>
               <a:pPr/>
-              <a:t>6/6/2018</a:t>
+              <a:t>6/9/2018</a:t>
             </a:fld>
             <a:endParaRPr lang="en-US" dirty="0"/>
           </a:p>
@@ -919,7 +926,7 @@
             <a:fld id="{B61BEF0D-F0BB-DE4B-95CE-6DB70DBA9567}" type="datetimeFigureOut">
               <a:rPr lang="en-US" dirty="0"/>
               <a:pPr/>
-              <a:t>6/6/2018</a:t>
+              <a:t>6/9/2018</a:t>
             </a:fld>
             <a:endParaRPr lang="en-US" dirty="0"/>
           </a:p>
@@ -1262,7 +1269,7 @@
             <a:fld id="{B61BEF0D-F0BB-DE4B-95CE-6DB70DBA9567}" type="datetimeFigureOut">
               <a:rPr lang="en-US" dirty="0"/>
               <a:pPr/>
-              <a:t>6/6/2018</a:t>
+              <a:t>6/9/2018</a:t>
             </a:fld>
             <a:endParaRPr lang="en-US" dirty="0"/>
           </a:p>
@@ -1613,7 +1620,7 @@
             <a:fld id="{B61BEF0D-F0BB-DE4B-95CE-6DB70DBA9567}" type="datetimeFigureOut">
               <a:rPr lang="en-US" dirty="0"/>
               <a:pPr/>
-              <a:t>6/6/2018</a:t>
+              <a:t>6/9/2018</a:t>
             </a:fld>
             <a:endParaRPr lang="en-US" dirty="0"/>
           </a:p>
@@ -1984,7 +1991,7 @@
             <a:fld id="{B61BEF0D-F0BB-DE4B-95CE-6DB70DBA9567}" type="datetimeFigureOut">
               <a:rPr lang="en-US" dirty="0"/>
               <a:pPr/>
-              <a:t>6/6/2018</a:t>
+              <a:t>6/9/2018</a:t>
             </a:fld>
             <a:endParaRPr lang="en-US" dirty="0"/>
           </a:p>
@@ -2458,7 +2465,7 @@
             <a:fld id="{B61BEF0D-F0BB-DE4B-95CE-6DB70DBA9567}" type="datetimeFigureOut">
               <a:rPr lang="en-US" dirty="0"/>
               <a:pPr/>
-              <a:t>6/6/2018</a:t>
+              <a:t>6/9/2018</a:t>
             </a:fld>
             <a:endParaRPr lang="en-US" dirty="0"/>
           </a:p>
@@ -2667,7 +2674,7 @@
             <a:fld id="{B61BEF0D-F0BB-DE4B-95CE-6DB70DBA9567}" type="datetimeFigureOut">
               <a:rPr lang="en-US" dirty="0"/>
               <a:pPr/>
-              <a:t>6/6/2018</a:t>
+              <a:t>6/9/2018</a:t>
             </a:fld>
             <a:endParaRPr lang="en-US" dirty="0"/>
           </a:p>
@@ -2882,7 +2889,7 @@
             <a:fld id="{B61BEF0D-F0BB-DE4B-95CE-6DB70DBA9567}" type="datetimeFigureOut">
               <a:rPr lang="en-US" dirty="0"/>
               <a:pPr/>
-              <a:t>6/6/2018</a:t>
+              <a:t>6/9/2018</a:t>
             </a:fld>
             <a:endParaRPr lang="en-US" dirty="0"/>
           </a:p>
@@ -3124,7 +3131,7 @@
           <a:p>
             <a:fld id="{05BFA754-D5C3-4E66-96A6-867B257F58DC}" type="datetimeFigureOut">
               <a:rPr lang="en-US" dirty="0"/>
-              <a:t>6/6/2018</a:t>
+              <a:t>6/9/2018</a:t>
             </a:fld>
             <a:endParaRPr lang="en-US" dirty="0"/>
           </a:p>
@@ -3368,7 +3375,7 @@
             <a:fld id="{B61BEF0D-F0BB-DE4B-95CE-6DB70DBA9567}" type="datetimeFigureOut">
               <a:rPr lang="en-US" dirty="0"/>
               <a:pPr/>
-              <a:t>6/6/2018</a:t>
+              <a:t>6/9/2018</a:t>
             </a:fld>
             <a:endParaRPr lang="en-US" dirty="0"/>
           </a:p>
@@ -3676,7 +3683,7 @@
           <a:p>
             <a:fld id="{05BFA754-D5C3-4E66-96A6-867B257F58DC}" type="datetimeFigureOut">
               <a:rPr lang="en-US" dirty="0"/>
-              <a:t>6/6/2018</a:t>
+              <a:t>6/9/2018</a:t>
             </a:fld>
             <a:endParaRPr lang="en-US" dirty="0"/>
           </a:p>
@@ -4054,7 +4061,7 @@
             <a:fld id="{B61BEF0D-F0BB-DE4B-95CE-6DB70DBA9567}" type="datetimeFigureOut">
               <a:rPr lang="en-US" dirty="0"/>
               <a:pPr/>
-              <a:t>6/6/2018</a:t>
+              <a:t>6/9/2018</a:t>
             </a:fld>
             <a:endParaRPr lang="en-US" dirty="0"/>
           </a:p>
@@ -4207,7 +4214,7 @@
             <a:fld id="{B61BEF0D-F0BB-DE4B-95CE-6DB70DBA9567}" type="datetimeFigureOut">
               <a:rPr lang="en-US" dirty="0"/>
               <a:pPr/>
-              <a:t>6/6/2018</a:t>
+              <a:t>6/9/2018</a:t>
             </a:fld>
             <a:endParaRPr lang="en-US" dirty="0"/>
           </a:p>
@@ -4337,7 +4344,7 @@
             <a:fld id="{B61BEF0D-F0BB-DE4B-95CE-6DB70DBA9567}" type="datetimeFigureOut">
               <a:rPr lang="en-US" dirty="0"/>
               <a:pPr/>
-              <a:t>6/6/2018</a:t>
+              <a:t>6/9/2018</a:t>
             </a:fld>
             <a:endParaRPr lang="en-US" dirty="0"/>
           </a:p>
@@ -4589,7 +4596,7 @@
             <a:fld id="{B61BEF0D-F0BB-DE4B-95CE-6DB70DBA9567}" type="datetimeFigureOut">
               <a:rPr lang="en-US" dirty="0"/>
               <a:pPr/>
-              <a:t>6/6/2018</a:t>
+              <a:t>6/9/2018</a:t>
             </a:fld>
             <a:endParaRPr lang="en-US" dirty="0"/>
           </a:p>
@@ -4908,7 +4915,7 @@
             <a:fld id="{B61BEF0D-F0BB-DE4B-95CE-6DB70DBA9567}" type="datetimeFigureOut">
               <a:rPr lang="en-US" dirty="0"/>
               <a:pPr/>
-              <a:t>6/6/2018</a:t>
+              <a:t>6/9/2018</a:t>
             </a:fld>
             <a:endParaRPr lang="en-US" dirty="0"/>
           </a:p>
@@ -5149,7 +5156,7 @@
             <a:fld id="{B61BEF0D-F0BB-DE4B-95CE-6DB70DBA9567}" type="datetimeFigureOut">
               <a:rPr lang="en-US" dirty="0"/>
               <a:pPr/>
-              <a:t>6/6/2018</a:t>
+              <a:t>6/9/2018</a:t>
             </a:fld>
             <a:endParaRPr lang="en-US" dirty="0"/>
           </a:p>
@@ -5713,7 +5720,7 @@
         </p:blipFill>
         <p:spPr>
           <a:xfrm>
-            <a:off x="3047996" y="2483635"/>
+            <a:off x="2937875" y="2401153"/>
             <a:ext cx="6096000" cy="2629801"/>
           </a:xfrm>
           <a:prstGeom prst="roundRect">
@@ -7895,17 +7902,17 @@
       </p:grpSpPr>
       <p:pic>
         <p:nvPicPr>
-          <p:cNvPr id="5" name="Imagem 4">
+          <p:cNvPr id="4" name="Imagem 3">
             <a:extLst>
               <a:ext uri="{FF2B5EF4-FFF2-40B4-BE49-F238E27FC236}">
-                <a16:creationId xmlns:a16="http://schemas.microsoft.com/office/drawing/2014/main" id="{E68DAE9C-9CE5-4CCE-869E-AA08329E6F10}"/>
+                <a16:creationId xmlns:a16="http://schemas.microsoft.com/office/drawing/2014/main" id="{BB7643FB-2CFB-464B-80A5-E05A7C74681D}"/>
               </a:ext>
             </a:extLst>
           </p:cNvPr>
           <p:cNvPicPr/>
           <p:nvPr/>
         </p:nvPicPr>
-        <p:blipFill rotWithShape="1">
+        <p:blipFill>
           <a:blip r:embed="rId2">
             <a:extLst>
               <a:ext uri="{28A0092B-C50C-407E-A947-70E740481C1C}">
@@ -7913,25 +7920,18 @@
               </a:ext>
             </a:extLst>
           </a:blip>
-          <a:srcRect l="3937" r="7049"/>
-          <a:stretch/>
+          <a:stretch>
+            <a:fillRect/>
+          </a:stretch>
         </p:blipFill>
-        <p:spPr bwMode="auto">
+        <p:spPr>
           <a:xfrm>
-            <a:off x="3312056" y="1222779"/>
-            <a:ext cx="7985320" cy="4918882"/>
+            <a:off x="3167269" y="822356"/>
+            <a:ext cx="8189843" cy="5466829"/>
           </a:xfrm>
           <a:prstGeom prst="rect">
             <a:avLst/>
           </a:prstGeom>
-          <a:ln>
-            <a:noFill/>
-          </a:ln>
-          <a:extLst>
-            <a:ext uri="{53640926-AAD7-44D8-BBD7-CCE9431645EC}">
-              <a14:shadowObscured xmlns:a14="http://schemas.microsoft.com/office/drawing/2010/main"/>
-            </a:ext>
-          </a:extLst>
         </p:spPr>
       </p:pic>
       <p:sp>
@@ -8136,14 +8136,710 @@
           <a:bodyPr/>
           <a:lstStyle/>
           <a:p>
+            <a:r>
+              <a:rPr lang="pt-PT" sz="2000" dirty="0"/>
+              <a:t>Quais os médicos de cada especialidade?</a:t>
+            </a:r>
+          </a:p>
+          <a:p>
+            <a:pPr marL="0" indent="0">
+              <a:buNone/>
+            </a:pPr>
+            <a:r>
+              <a:rPr lang="pt-PT" sz="2000" dirty="0"/>
+              <a:t>	Com esta </a:t>
+            </a:r>
+            <a:r>
+              <a:rPr lang="pt-PT" sz="2000" dirty="0" err="1"/>
+              <a:t>query</a:t>
+            </a:r>
+            <a:r>
+              <a:rPr lang="pt-PT" sz="2000" dirty="0"/>
+              <a:t> conseguimos descobrir a especialidade que determinado médico tem, aparecendo o nome da especialidade e do médico.</a:t>
+            </a:r>
+          </a:p>
+          <a:p>
+            <a:pPr marL="0" indent="0">
+              <a:buNone/>
+            </a:pPr>
             <a:endParaRPr lang="pt-PT" dirty="0"/>
           </a:p>
-        </p:txBody>
-      </p:sp>
+          <a:p>
+            <a:pPr marL="0" indent="0">
+              <a:buNone/>
+            </a:pPr>
+            <a:r>
+              <a:rPr lang="pt-PT" sz="2000" i="1" dirty="0" err="1"/>
+              <a:t>select</a:t>
+            </a:r>
+            <a:r>
+              <a:rPr lang="pt-PT" sz="2000" i="1" dirty="0"/>
+              <a:t> </a:t>
+            </a:r>
+            <a:r>
+              <a:rPr lang="pt-PT" sz="2000" i="1" dirty="0" err="1"/>
+              <a:t>nome_especialidade</a:t>
+            </a:r>
+            <a:r>
+              <a:rPr lang="pt-PT" sz="2000" i="1" dirty="0"/>
+              <a:t>, </a:t>
+            </a:r>
+            <a:r>
+              <a:rPr lang="pt-PT" sz="2000" i="1" dirty="0" err="1"/>
+              <a:t>nome_medico</a:t>
+            </a:r>
+            <a:r>
+              <a:rPr lang="pt-PT" sz="2000" i="1" dirty="0"/>
+              <a:t> </a:t>
+            </a:r>
+            <a:r>
+              <a:rPr lang="pt-PT" sz="2000" i="1" dirty="0" err="1"/>
+              <a:t>from</a:t>
+            </a:r>
+            <a:r>
+              <a:rPr lang="pt-PT" sz="2000" i="1" dirty="0"/>
+              <a:t> especialidade e </a:t>
+            </a:r>
+            <a:r>
+              <a:rPr lang="pt-PT" sz="2000" i="1" dirty="0" err="1"/>
+              <a:t>inner</a:t>
+            </a:r>
+            <a:r>
+              <a:rPr lang="pt-PT" sz="2000" i="1" dirty="0"/>
+              <a:t> </a:t>
+            </a:r>
+            <a:r>
+              <a:rPr lang="pt-PT" sz="2000" i="1" dirty="0" err="1"/>
+              <a:t>join</a:t>
+            </a:r>
+            <a:r>
+              <a:rPr lang="pt-PT" sz="2000" i="1" dirty="0"/>
+              <a:t> medico m </a:t>
+            </a:r>
+            <a:r>
+              <a:rPr lang="pt-PT" sz="2000" i="1" dirty="0" err="1"/>
+              <a:t>on</a:t>
+            </a:r>
+            <a:r>
+              <a:rPr lang="pt-PT" sz="2000" i="1" dirty="0"/>
+              <a:t> </a:t>
+            </a:r>
+            <a:r>
+              <a:rPr lang="pt-PT" sz="2000" i="1" dirty="0" err="1"/>
+              <a:t>e.NUMERO_ESPECIALIDADE</a:t>
+            </a:r>
+            <a:r>
+              <a:rPr lang="pt-PT" sz="2000" i="1" dirty="0"/>
+              <a:t> = </a:t>
+            </a:r>
+            <a:r>
+              <a:rPr lang="pt-PT" sz="2000" i="1" dirty="0" err="1"/>
+              <a:t>m.NUMERO_ESPECIALIDADE</a:t>
+            </a:r>
+            <a:r>
+              <a:rPr lang="pt-PT" sz="2000" i="1" dirty="0"/>
+              <a:t>;</a:t>
+            </a:r>
+            <a:endParaRPr lang="pt-PT" sz="2000" dirty="0"/>
+          </a:p>
+          <a:p>
+            <a:pPr marL="0" indent="0">
+              <a:buNone/>
+            </a:pPr>
+            <a:endParaRPr lang="pt-PT" dirty="0"/>
+          </a:p>
+        </p:txBody>
+      </p:sp>
+      <p:sp>
+        <p:nvSpPr>
+          <p:cNvPr id="8" name="Rectangle 8">
+            <a:extLst>
+              <a:ext uri="{FF2B5EF4-FFF2-40B4-BE49-F238E27FC236}">
+                <a16:creationId xmlns:a16="http://schemas.microsoft.com/office/drawing/2014/main" id="{24ADCC48-11F1-4ACB-AAC1-31E487DC34AA}"/>
+              </a:ext>
+            </a:extLst>
+          </p:cNvPr>
+          <p:cNvSpPr>
+            <a:spLocks noChangeArrowheads="1"/>
+          </p:cNvSpPr>
+          <p:nvPr/>
+        </p:nvSpPr>
+        <p:spPr bwMode="auto">
+          <a:xfrm>
+            <a:off x="0" y="0"/>
+            <a:ext cx="12192000" cy="457200"/>
+          </a:xfrm>
+          <a:prstGeom prst="rect">
+            <a:avLst/>
+          </a:prstGeom>
+          <a:noFill/>
+          <a:ln>
+            <a:noFill/>
+          </a:ln>
+          <a:effectLst/>
+          <a:extLst>
+            <a:ext uri="{909E8E84-426E-40DD-AFC4-6F175D3DCCD1}">
+              <a14:hiddenFill xmlns:a14="http://schemas.microsoft.com/office/drawing/2010/main">
+                <a:solidFill>
+                  <a:schemeClr val="accent1"/>
+                </a:solidFill>
+              </a14:hiddenFill>
+            </a:ext>
+            <a:ext uri="{91240B29-F687-4F45-9708-019B960494DF}">
+              <a14:hiddenLine xmlns:a14="http://schemas.microsoft.com/office/drawing/2010/main" w="9525">
+                <a:solidFill>
+                  <a:schemeClr val="tx1"/>
+                </a:solidFill>
+                <a:miter lim="800000"/>
+                <a:headEnd/>
+                <a:tailEnd/>
+              </a14:hiddenLine>
+            </a:ext>
+            <a:ext uri="{AF507438-7753-43E0-B8FC-AC1667EBCBE1}">
+              <a14:hiddenEffects xmlns:a14="http://schemas.microsoft.com/office/drawing/2010/main">
+                <a:effectLst>
+                  <a:outerShdw dist="35921" dir="2700000" algn="ctr" rotWithShape="0">
+                    <a:schemeClr val="bg2"/>
+                  </a:outerShdw>
+                </a:effectLst>
+              </a14:hiddenEffects>
+            </a:ext>
+          </a:extLst>
+        </p:spPr>
+        <p:txBody>
+          <a:bodyPr vert="horz" wrap="none" lIns="91440" tIns="45720" rIns="91440" bIns="45720" numCol="1" anchor="ctr" anchorCtr="0" compatLnSpc="1">
+            <a:prstTxWarp prst="textNoShape">
+              <a:avLst/>
+            </a:prstTxWarp>
+            <a:spAutoFit/>
+          </a:bodyPr>
+          <a:lstStyle/>
+          <a:p>
+            <a:pPr marL="0" marR="0" lvl="0" indent="0" algn="l" defTabSz="914400" rtl="0" eaLnBrk="0" fontAlgn="base" latinLnBrk="0" hangingPunct="0">
+              <a:lnSpc>
+                <a:spcPct val="100000"/>
+              </a:lnSpc>
+              <a:spcBef>
+                <a:spcPct val="0"/>
+              </a:spcBef>
+              <a:spcAft>
+                <a:spcPct val="0"/>
+              </a:spcAft>
+              <a:buClrTx/>
+              <a:buSzTx/>
+              <a:buFontTx/>
+              <a:buNone/>
+              <a:tabLst/>
+            </a:pPr>
+            <a:endParaRPr kumimoji="0" lang="pt-PT" altLang="pt-PT" sz="1800" b="0" i="0" u="none" strike="noStrike" cap="none" normalizeH="0" baseline="0">
+              <a:ln>
+                <a:noFill/>
+              </a:ln>
+              <a:solidFill>
+                <a:schemeClr val="tx1"/>
+              </a:solidFill>
+              <a:effectLst/>
+              <a:latin typeface="Arial" panose="020B0604020202020204" pitchFamily="34" charset="0"/>
+            </a:endParaRPr>
+          </a:p>
+        </p:txBody>
+      </p:sp>
+      <p:pic>
+        <p:nvPicPr>
+          <p:cNvPr id="2055" name="Imagem 10">
+            <a:extLst>
+              <a:ext uri="{FF2B5EF4-FFF2-40B4-BE49-F238E27FC236}">
+                <a16:creationId xmlns:a16="http://schemas.microsoft.com/office/drawing/2014/main" id="{EB4FC3BD-FA58-440D-9B82-37ECF832DA4C}"/>
+              </a:ext>
+            </a:extLst>
+          </p:cNvPr>
+          <p:cNvPicPr>
+            <a:picLocks noChangeAspect="1" noChangeArrowheads="1"/>
+          </p:cNvPicPr>
+          <p:nvPr/>
+        </p:nvPicPr>
+        <p:blipFill>
+          <a:blip r:embed="rId2">
+            <a:extLst>
+              <a:ext uri="{28A0092B-C50C-407E-A947-70E740481C1C}">
+                <a14:useLocalDpi xmlns:a14="http://schemas.microsoft.com/office/drawing/2010/main" val="0"/>
+              </a:ext>
+            </a:extLst>
+          </a:blip>
+          <a:srcRect/>
+          <a:stretch>
+            <a:fillRect/>
+          </a:stretch>
+        </p:blipFill>
+        <p:spPr bwMode="auto">
+          <a:xfrm>
+            <a:off x="7876485" y="919690"/>
+            <a:ext cx="2828925" cy="1428750"/>
+          </a:xfrm>
+          <a:prstGeom prst="rect">
+            <a:avLst/>
+          </a:prstGeom>
+          <a:noFill/>
+          <a:extLst>
+            <a:ext uri="{909E8E84-426E-40DD-AFC4-6F175D3DCCD1}">
+              <a14:hiddenFill xmlns:a14="http://schemas.microsoft.com/office/drawing/2010/main">
+                <a:solidFill>
+                  <a:srgbClr val="FFFFFF"/>
+                </a:solidFill>
+              </a14:hiddenFill>
+            </a:ext>
+          </a:extLst>
+        </p:spPr>
+      </p:pic>
     </p:spTree>
     <p:extLst>
       <p:ext uri="{BB962C8B-B14F-4D97-AF65-F5344CB8AC3E}">
         <p14:creationId xmlns:p14="http://schemas.microsoft.com/office/powerpoint/2010/main" val="2099325193"/>
+      </p:ext>
+    </p:extLst>
+  </p:cSld>
+  <p:clrMapOvr>
+    <a:masterClrMapping/>
+  </p:clrMapOvr>
+</p:sld>
+</file>
+
+<file path=ppt/slides/slide15.xml><?xml version="1.0" encoding="utf-8"?>
+<p:sld xmlns:a="http://schemas.openxmlformats.org/drawingml/2006/main" xmlns:r="http://schemas.openxmlformats.org/officeDocument/2006/relationships" xmlns:p="http://schemas.openxmlformats.org/presentationml/2006/main">
+  <p:cSld>
+    <p:spTree>
+      <p:nvGrpSpPr>
+        <p:cNvPr id="1" name=""/>
+        <p:cNvGrpSpPr/>
+        <p:nvPr/>
+      </p:nvGrpSpPr>
+      <p:grpSpPr>
+        <a:xfrm>
+          <a:off x="0" y="0"/>
+          <a:ext cx="0" cy="0"/>
+          <a:chOff x="0" y="0"/>
+          <a:chExt cx="0" cy="0"/>
+        </a:xfrm>
+      </p:grpSpPr>
+      <p:sp>
+        <p:nvSpPr>
+          <p:cNvPr id="2" name="Título 1">
+            <a:extLst>
+              <a:ext uri="{FF2B5EF4-FFF2-40B4-BE49-F238E27FC236}">
+                <a16:creationId xmlns:a16="http://schemas.microsoft.com/office/drawing/2014/main" id="{AE2646E9-87AB-4790-B68E-47CF1CF95EA2}"/>
+              </a:ext>
+            </a:extLst>
+          </p:cNvPr>
+          <p:cNvSpPr>
+            <a:spLocks noGrp="1"/>
+          </p:cNvSpPr>
+          <p:nvPr>
+            <p:ph type="title"/>
+          </p:nvPr>
+        </p:nvSpPr>
+        <p:spPr>
+          <a:xfrm>
+            <a:off x="1295402" y="982132"/>
+            <a:ext cx="9601196" cy="1303867"/>
+          </a:xfrm>
+        </p:spPr>
+        <p:txBody>
+          <a:bodyPr>
+            <a:normAutofit/>
+          </a:bodyPr>
+          <a:lstStyle/>
+          <a:p>
+            <a:r>
+              <a:rPr lang="pt-PT" sz="4000" cap="all" dirty="0"/>
+              <a:t>QUERYS</a:t>
+            </a:r>
+            <a:endParaRPr lang="pt-PT" sz="3600" dirty="0"/>
+          </a:p>
+        </p:txBody>
+      </p:sp>
+      <p:sp>
+        <p:nvSpPr>
+          <p:cNvPr id="3" name="Marcador de Posição de Conteúdo 2">
+            <a:extLst>
+              <a:ext uri="{FF2B5EF4-FFF2-40B4-BE49-F238E27FC236}">
+                <a16:creationId xmlns:a16="http://schemas.microsoft.com/office/drawing/2014/main" id="{BAAE22F0-A510-4641-9418-8D035134DC29}"/>
+              </a:ext>
+            </a:extLst>
+          </p:cNvPr>
+          <p:cNvSpPr>
+            <a:spLocks noGrp="1"/>
+          </p:cNvSpPr>
+          <p:nvPr>
+            <p:ph idx="1"/>
+          </p:nvPr>
+        </p:nvSpPr>
+        <p:spPr>
+          <a:xfrm>
+            <a:off x="1295401" y="2556931"/>
+            <a:ext cx="9601196" cy="3703191"/>
+          </a:xfrm>
+        </p:spPr>
+        <p:txBody>
+          <a:bodyPr>
+            <a:normAutofit fontScale="77500" lnSpcReduction="20000"/>
+          </a:bodyPr>
+          <a:lstStyle/>
+          <a:p>
+            <a:pPr lvl="0" algn="just">
+              <a:lnSpc>
+                <a:spcPct val="120000"/>
+              </a:lnSpc>
+            </a:pPr>
+            <a:r>
+              <a:rPr lang="pt-PT" sz="2900" dirty="0"/>
+              <a:t>Quais foram os medicamentos prescritos por determinado médico?</a:t>
+            </a:r>
+          </a:p>
+          <a:p>
+            <a:pPr marL="0" indent="0" algn="just">
+              <a:lnSpc>
+                <a:spcPct val="120000"/>
+              </a:lnSpc>
+              <a:buNone/>
+            </a:pPr>
+            <a:r>
+              <a:rPr lang="pt-PT" sz="2900" dirty="0"/>
+              <a:t>	</a:t>
+            </a:r>
+            <a:r>
+              <a:rPr lang="pt-PT" altLang="pt-PT" sz="2900" dirty="0">
+                <a:solidFill>
+                  <a:schemeClr val="tx1"/>
+                </a:solidFill>
+                <a:latin typeface="+mj-lt"/>
+                <a:ea typeface="Times New Roman" panose="02020603050405020304" pitchFamily="18" charset="0"/>
+                <a:cs typeface="Times New Roman" panose="02020603050405020304" pitchFamily="18" charset="0"/>
+              </a:rPr>
+              <a:t>Com esta </a:t>
+            </a:r>
+            <a:r>
+              <a:rPr lang="pt-PT" altLang="pt-PT" sz="2900" dirty="0" err="1">
+                <a:solidFill>
+                  <a:schemeClr val="tx1"/>
+                </a:solidFill>
+                <a:latin typeface="+mj-lt"/>
+                <a:ea typeface="Times New Roman" panose="02020603050405020304" pitchFamily="18" charset="0"/>
+                <a:cs typeface="Times New Roman" panose="02020603050405020304" pitchFamily="18" charset="0"/>
+              </a:rPr>
+              <a:t>query</a:t>
+            </a:r>
+            <a:r>
+              <a:rPr lang="pt-PT" altLang="pt-PT" sz="2900" dirty="0">
+                <a:solidFill>
+                  <a:schemeClr val="tx1"/>
+                </a:solidFill>
+                <a:latin typeface="+mj-lt"/>
+                <a:ea typeface="Times New Roman" panose="02020603050405020304" pitchFamily="18" charset="0"/>
+                <a:cs typeface="Times New Roman" panose="02020603050405020304" pitchFamily="18" charset="0"/>
+              </a:rPr>
+              <a:t> conseguimos descobrir qual médico prescrever determinado medicamento, aparecendo o nome do medicamento e do médico</a:t>
+            </a:r>
+            <a:endParaRPr lang="pt-PT" sz="2900" dirty="0">
+              <a:latin typeface="+mj-lt"/>
+            </a:endParaRPr>
+          </a:p>
+          <a:p>
+            <a:pPr marL="0" indent="0">
+              <a:buNone/>
+            </a:pPr>
+            <a:endParaRPr lang="pt-PT" dirty="0"/>
+          </a:p>
+          <a:p>
+            <a:pPr marL="0" indent="0">
+              <a:buNone/>
+            </a:pPr>
+            <a:r>
+              <a:rPr lang="pt-PT" i="1" dirty="0"/>
+              <a:t>SELECT NOME_MEDICO, NOME_MEDICAMENTO FROM MEDICO M </a:t>
+            </a:r>
+            <a:endParaRPr lang="pt-PT" dirty="0"/>
+          </a:p>
+          <a:p>
+            <a:pPr marL="0" indent="0">
+              <a:buNone/>
+            </a:pPr>
+            <a:r>
+              <a:rPr lang="pt-PT" i="1" dirty="0"/>
+              <a:t>INNER JOIN CONSULTA CON ON M.CEDULA = CON.CEDULA </a:t>
+            </a:r>
+            <a:endParaRPr lang="pt-PT" dirty="0"/>
+          </a:p>
+          <a:p>
+            <a:pPr marL="0" indent="0">
+              <a:buNone/>
+            </a:pPr>
+            <a:r>
+              <a:rPr lang="pt-PT" i="1" dirty="0"/>
+              <a:t>INNER JOIN RECEITA R ON CON.NUMERO_MARCACAO = R.NUMERO_MARCACAO </a:t>
+            </a:r>
+            <a:endParaRPr lang="pt-PT" dirty="0"/>
+          </a:p>
+          <a:p>
+            <a:pPr marL="0" indent="0">
+              <a:buNone/>
+            </a:pPr>
+            <a:r>
+              <a:rPr lang="pt-PT" i="1" dirty="0"/>
+              <a:t>INNER JOIN MEDICAMENTO MED ON R.NUMERO_MEDICAMENTO = MED.NUMERO_MEDICAMENTO;</a:t>
+            </a:r>
+            <a:endParaRPr lang="pt-PT" dirty="0"/>
+          </a:p>
+          <a:p>
+            <a:pPr marL="0" indent="0">
+              <a:buNone/>
+            </a:pPr>
+            <a:endParaRPr lang="pt-PT" dirty="0"/>
+          </a:p>
+        </p:txBody>
+      </p:sp>
+      <p:pic>
+        <p:nvPicPr>
+          <p:cNvPr id="3073" name="Imagem 29700">
+            <a:extLst>
+              <a:ext uri="{FF2B5EF4-FFF2-40B4-BE49-F238E27FC236}">
+                <a16:creationId xmlns:a16="http://schemas.microsoft.com/office/drawing/2014/main" id="{16414FE8-6D8D-44FE-8B91-81CF644E4451}"/>
+              </a:ext>
+            </a:extLst>
+          </p:cNvPr>
+          <p:cNvPicPr>
+            <a:picLocks noChangeAspect="1" noChangeArrowheads="1"/>
+          </p:cNvPicPr>
+          <p:nvPr/>
+        </p:nvPicPr>
+        <p:blipFill>
+          <a:blip r:embed="rId2">
+            <a:extLst>
+              <a:ext uri="{28A0092B-C50C-407E-A947-70E740481C1C}">
+                <a14:useLocalDpi xmlns:a14="http://schemas.microsoft.com/office/drawing/2010/main" val="0"/>
+              </a:ext>
+            </a:extLst>
+          </a:blip>
+          <a:srcRect/>
+          <a:stretch>
+            <a:fillRect/>
+          </a:stretch>
+        </p:blipFill>
+        <p:spPr bwMode="auto">
+          <a:xfrm>
+            <a:off x="8176162" y="982131"/>
+            <a:ext cx="2553855" cy="1303867"/>
+          </a:xfrm>
+          <a:prstGeom prst="rect">
+            <a:avLst/>
+          </a:prstGeom>
+          <a:noFill/>
+          <a:extLst>
+            <a:ext uri="{909E8E84-426E-40DD-AFC4-6F175D3DCCD1}">
+              <a14:hiddenFill xmlns:a14="http://schemas.microsoft.com/office/drawing/2010/main">
+                <a:solidFill>
+                  <a:srgbClr val="FFFFFF"/>
+                </a:solidFill>
+              </a14:hiddenFill>
+            </a:ext>
+          </a:extLst>
+        </p:spPr>
+      </p:pic>
+      <p:sp>
+        <p:nvSpPr>
+          <p:cNvPr id="5" name="Rectangle 3">
+            <a:extLst>
+              <a:ext uri="{FF2B5EF4-FFF2-40B4-BE49-F238E27FC236}">
+                <a16:creationId xmlns:a16="http://schemas.microsoft.com/office/drawing/2014/main" id="{CB7C935D-5EF4-4311-B4EB-6712A67D6206}"/>
+              </a:ext>
+            </a:extLst>
+          </p:cNvPr>
+          <p:cNvSpPr>
+            <a:spLocks noChangeArrowheads="1"/>
+          </p:cNvSpPr>
+          <p:nvPr/>
+        </p:nvSpPr>
+        <p:spPr bwMode="auto">
+          <a:xfrm>
+            <a:off x="228600" y="318701"/>
+            <a:ext cx="452368" cy="276999"/>
+          </a:xfrm>
+          <a:prstGeom prst="rect">
+            <a:avLst/>
+          </a:prstGeom>
+          <a:noFill/>
+          <a:ln>
+            <a:noFill/>
+          </a:ln>
+          <a:effectLst/>
+          <a:extLst>
+            <a:ext uri="{909E8E84-426E-40DD-AFC4-6F175D3DCCD1}">
+              <a14:hiddenFill xmlns:a14="http://schemas.microsoft.com/office/drawing/2010/main">
+                <a:solidFill>
+                  <a:schemeClr val="accent1"/>
+                </a:solidFill>
+              </a14:hiddenFill>
+            </a:ext>
+            <a:ext uri="{91240B29-F687-4F45-9708-019B960494DF}">
+              <a14:hiddenLine xmlns:a14="http://schemas.microsoft.com/office/drawing/2010/main" w="9525">
+                <a:solidFill>
+                  <a:schemeClr val="tx1"/>
+                </a:solidFill>
+                <a:miter lim="800000"/>
+                <a:headEnd/>
+                <a:tailEnd/>
+              </a14:hiddenLine>
+            </a:ext>
+            <a:ext uri="{AF507438-7753-43E0-B8FC-AC1667EBCBE1}">
+              <a14:hiddenEffects xmlns:a14="http://schemas.microsoft.com/office/drawing/2010/main">
+                <a:effectLst>
+                  <a:outerShdw dist="35921" dir="2700000" algn="ctr" rotWithShape="0">
+                    <a:schemeClr val="bg2"/>
+                  </a:outerShdw>
+                </a:effectLst>
+              </a14:hiddenEffects>
+            </a:ext>
+          </a:extLst>
+        </p:spPr>
+        <p:txBody>
+          <a:bodyPr vert="horz" wrap="none" lIns="91440" tIns="45720" rIns="91440" bIns="45720" numCol="1" anchor="ctr" anchorCtr="0" compatLnSpc="1">
+            <a:prstTxWarp prst="textNoShape">
+              <a:avLst/>
+            </a:prstTxWarp>
+            <a:spAutoFit/>
+          </a:bodyPr>
+          <a:lstStyle/>
+          <a:p>
+            <a:pPr marL="0" marR="0" lvl="0" indent="222250" algn="l" defTabSz="914400" rtl="0" eaLnBrk="0" fontAlgn="base" latinLnBrk="0" hangingPunct="0">
+              <a:lnSpc>
+                <a:spcPct val="100000"/>
+              </a:lnSpc>
+              <a:spcBef>
+                <a:spcPct val="0"/>
+              </a:spcBef>
+              <a:spcAft>
+                <a:spcPct val="0"/>
+              </a:spcAft>
+              <a:buClrTx/>
+              <a:buSzTx/>
+              <a:buFontTx/>
+              <a:buNone/>
+              <a:tabLst/>
+            </a:pPr>
+            <a:r>
+              <a:rPr kumimoji="0" lang="pt-PT" altLang="pt-PT" sz="1200" b="0" i="0" u="none" strike="noStrike" cap="none" normalizeH="0" baseline="0" dirty="0">
+                <a:ln>
+                  <a:noFill/>
+                </a:ln>
+                <a:solidFill>
+                  <a:schemeClr val="tx1"/>
+                </a:solidFill>
+                <a:effectLst/>
+                <a:latin typeface="Arial" panose="020B0604020202020204" pitchFamily="34" charset="0"/>
+                <a:ea typeface="Times New Roman" panose="02020603050405020304" pitchFamily="18" charset="0"/>
+                <a:cs typeface="Times New Roman" panose="02020603050405020304" pitchFamily="18" charset="0"/>
+              </a:rPr>
+              <a:t>.</a:t>
+            </a:r>
+            <a:endParaRPr kumimoji="0" lang="pt-PT" altLang="pt-PT" sz="1800" b="0" i="0" u="none" strike="noStrike" cap="none" normalizeH="0" baseline="0" dirty="0">
+              <a:ln>
+                <a:noFill/>
+              </a:ln>
+              <a:solidFill>
+                <a:schemeClr val="tx1"/>
+              </a:solidFill>
+              <a:effectLst/>
+              <a:latin typeface="Arial" panose="020B0604020202020204" pitchFamily="34" charset="0"/>
+            </a:endParaRPr>
+          </a:p>
+        </p:txBody>
+      </p:sp>
+    </p:spTree>
+    <p:extLst>
+      <p:ext uri="{BB962C8B-B14F-4D97-AF65-F5344CB8AC3E}">
+        <p14:creationId xmlns:p14="http://schemas.microsoft.com/office/powerpoint/2010/main" val="1564999244"/>
+      </p:ext>
+    </p:extLst>
+  </p:cSld>
+  <p:clrMapOvr>
+    <a:masterClrMapping/>
+  </p:clrMapOvr>
+</p:sld>
+</file>
+
+<file path=ppt/slides/slide16.xml><?xml version="1.0" encoding="utf-8"?>
+<p:sld xmlns:a="http://schemas.openxmlformats.org/drawingml/2006/main" xmlns:r="http://schemas.openxmlformats.org/officeDocument/2006/relationships" xmlns:p="http://schemas.openxmlformats.org/presentationml/2006/main">
+  <p:cSld>
+    <p:spTree>
+      <p:nvGrpSpPr>
+        <p:cNvPr id="1" name=""/>
+        <p:cNvGrpSpPr/>
+        <p:nvPr/>
+      </p:nvGrpSpPr>
+      <p:grpSpPr>
+        <a:xfrm>
+          <a:off x="0" y="0"/>
+          <a:ext cx="0" cy="0"/>
+          <a:chOff x="0" y="0"/>
+          <a:chExt cx="0" cy="0"/>
+        </a:xfrm>
+      </p:grpSpPr>
+      <p:sp>
+        <p:nvSpPr>
+          <p:cNvPr id="2" name="Título 1">
+            <a:extLst>
+              <a:ext uri="{FF2B5EF4-FFF2-40B4-BE49-F238E27FC236}">
+                <a16:creationId xmlns:a16="http://schemas.microsoft.com/office/drawing/2014/main" id="{175363E2-5366-4B05-BF0F-2B0B085D2F20}"/>
+              </a:ext>
+            </a:extLst>
+          </p:cNvPr>
+          <p:cNvSpPr>
+            <a:spLocks noGrp="1"/>
+          </p:cNvSpPr>
+          <p:nvPr>
+            <p:ph type="title"/>
+          </p:nvPr>
+        </p:nvSpPr>
+        <p:spPr/>
+        <p:txBody>
+          <a:bodyPr/>
+          <a:lstStyle/>
+          <a:p>
+            <a:r>
+              <a:rPr lang="pt-PT" dirty="0"/>
+              <a:t>Conclusão</a:t>
+            </a:r>
+          </a:p>
+        </p:txBody>
+      </p:sp>
+      <p:sp>
+        <p:nvSpPr>
+          <p:cNvPr id="3" name="Marcador de Posição de Conteúdo 2">
+            <a:extLst>
+              <a:ext uri="{FF2B5EF4-FFF2-40B4-BE49-F238E27FC236}">
+                <a16:creationId xmlns:a16="http://schemas.microsoft.com/office/drawing/2014/main" id="{2FF9A044-B6C0-4856-960F-BDF460EC763C}"/>
+              </a:ext>
+            </a:extLst>
+          </p:cNvPr>
+          <p:cNvSpPr>
+            <a:spLocks noGrp="1"/>
+          </p:cNvSpPr>
+          <p:nvPr>
+            <p:ph idx="1"/>
+          </p:nvPr>
+        </p:nvSpPr>
+        <p:spPr/>
+        <p:txBody>
+          <a:bodyPr/>
+          <a:lstStyle/>
+          <a:p>
+            <a:endParaRPr lang="pt-PT"/>
+          </a:p>
+        </p:txBody>
+      </p:sp>
+    </p:spTree>
+    <p:extLst>
+      <p:ext uri="{BB962C8B-B14F-4D97-AF65-F5344CB8AC3E}">
+        <p14:creationId xmlns:p14="http://schemas.microsoft.com/office/powerpoint/2010/main" val="212973798"/>
       </p:ext>
     </p:extLst>
   </p:cSld>

--- a/Apresentação.pptx
+++ b/Apresentação.pptx
@@ -352,7 +352,7 @@
             <a:fld id="{B61BEF0D-F0BB-DE4B-95CE-6DB70DBA9567}" type="datetimeFigureOut">
               <a:rPr lang="en-US" dirty="0"/>
               <a:pPr/>
-              <a:t>6/9/2018</a:t>
+              <a:t>6/10/2018</a:t>
             </a:fld>
             <a:endParaRPr lang="en-US" dirty="0"/>
           </a:p>
@@ -681,7 +681,7 @@
             <a:fld id="{B61BEF0D-F0BB-DE4B-95CE-6DB70DBA9567}" type="datetimeFigureOut">
               <a:rPr lang="en-US" dirty="0"/>
               <a:pPr/>
-              <a:t>6/9/2018</a:t>
+              <a:t>6/10/2018</a:t>
             </a:fld>
             <a:endParaRPr lang="en-US" dirty="0"/>
           </a:p>
@@ -926,7 +926,7 @@
             <a:fld id="{B61BEF0D-F0BB-DE4B-95CE-6DB70DBA9567}" type="datetimeFigureOut">
               <a:rPr lang="en-US" dirty="0"/>
               <a:pPr/>
-              <a:t>6/9/2018</a:t>
+              <a:t>6/10/2018</a:t>
             </a:fld>
             <a:endParaRPr lang="en-US" dirty="0"/>
           </a:p>
@@ -1269,7 +1269,7 @@
             <a:fld id="{B61BEF0D-F0BB-DE4B-95CE-6DB70DBA9567}" type="datetimeFigureOut">
               <a:rPr lang="en-US" dirty="0"/>
               <a:pPr/>
-              <a:t>6/9/2018</a:t>
+              <a:t>6/10/2018</a:t>
             </a:fld>
             <a:endParaRPr lang="en-US" dirty="0"/>
           </a:p>
@@ -1620,7 +1620,7 @@
             <a:fld id="{B61BEF0D-F0BB-DE4B-95CE-6DB70DBA9567}" type="datetimeFigureOut">
               <a:rPr lang="en-US" dirty="0"/>
               <a:pPr/>
-              <a:t>6/9/2018</a:t>
+              <a:t>6/10/2018</a:t>
             </a:fld>
             <a:endParaRPr lang="en-US" dirty="0"/>
           </a:p>
@@ -1991,7 +1991,7 @@
             <a:fld id="{B61BEF0D-F0BB-DE4B-95CE-6DB70DBA9567}" type="datetimeFigureOut">
               <a:rPr lang="en-US" dirty="0"/>
               <a:pPr/>
-              <a:t>6/9/2018</a:t>
+              <a:t>6/10/2018</a:t>
             </a:fld>
             <a:endParaRPr lang="en-US" dirty="0"/>
           </a:p>
@@ -2465,7 +2465,7 @@
             <a:fld id="{B61BEF0D-F0BB-DE4B-95CE-6DB70DBA9567}" type="datetimeFigureOut">
               <a:rPr lang="en-US" dirty="0"/>
               <a:pPr/>
-              <a:t>6/9/2018</a:t>
+              <a:t>6/10/2018</a:t>
             </a:fld>
             <a:endParaRPr lang="en-US" dirty="0"/>
           </a:p>
@@ -2674,7 +2674,7 @@
             <a:fld id="{B61BEF0D-F0BB-DE4B-95CE-6DB70DBA9567}" type="datetimeFigureOut">
               <a:rPr lang="en-US" dirty="0"/>
               <a:pPr/>
-              <a:t>6/9/2018</a:t>
+              <a:t>6/10/2018</a:t>
             </a:fld>
             <a:endParaRPr lang="en-US" dirty="0"/>
           </a:p>
@@ -2889,7 +2889,7 @@
             <a:fld id="{B61BEF0D-F0BB-DE4B-95CE-6DB70DBA9567}" type="datetimeFigureOut">
               <a:rPr lang="en-US" dirty="0"/>
               <a:pPr/>
-              <a:t>6/9/2018</a:t>
+              <a:t>6/10/2018</a:t>
             </a:fld>
             <a:endParaRPr lang="en-US" dirty="0"/>
           </a:p>
@@ -3131,7 +3131,7 @@
           <a:p>
             <a:fld id="{05BFA754-D5C3-4E66-96A6-867B257F58DC}" type="datetimeFigureOut">
               <a:rPr lang="en-US" dirty="0"/>
-              <a:t>6/9/2018</a:t>
+              <a:t>6/10/2018</a:t>
             </a:fld>
             <a:endParaRPr lang="en-US" dirty="0"/>
           </a:p>
@@ -3375,7 +3375,7 @@
             <a:fld id="{B61BEF0D-F0BB-DE4B-95CE-6DB70DBA9567}" type="datetimeFigureOut">
               <a:rPr lang="en-US" dirty="0"/>
               <a:pPr/>
-              <a:t>6/9/2018</a:t>
+              <a:t>6/10/2018</a:t>
             </a:fld>
             <a:endParaRPr lang="en-US" dirty="0"/>
           </a:p>
@@ -3683,7 +3683,7 @@
           <a:p>
             <a:fld id="{05BFA754-D5C3-4E66-96A6-867B257F58DC}" type="datetimeFigureOut">
               <a:rPr lang="en-US" dirty="0"/>
-              <a:t>6/9/2018</a:t>
+              <a:t>6/10/2018</a:t>
             </a:fld>
             <a:endParaRPr lang="en-US" dirty="0"/>
           </a:p>
@@ -4061,7 +4061,7 @@
             <a:fld id="{B61BEF0D-F0BB-DE4B-95CE-6DB70DBA9567}" type="datetimeFigureOut">
               <a:rPr lang="en-US" dirty="0"/>
               <a:pPr/>
-              <a:t>6/9/2018</a:t>
+              <a:t>6/10/2018</a:t>
             </a:fld>
             <a:endParaRPr lang="en-US" dirty="0"/>
           </a:p>
@@ -4214,7 +4214,7 @@
             <a:fld id="{B61BEF0D-F0BB-DE4B-95CE-6DB70DBA9567}" type="datetimeFigureOut">
               <a:rPr lang="en-US" dirty="0"/>
               <a:pPr/>
-              <a:t>6/9/2018</a:t>
+              <a:t>6/10/2018</a:t>
             </a:fld>
             <a:endParaRPr lang="en-US" dirty="0"/>
           </a:p>
@@ -4344,7 +4344,7 @@
             <a:fld id="{B61BEF0D-F0BB-DE4B-95CE-6DB70DBA9567}" type="datetimeFigureOut">
               <a:rPr lang="en-US" dirty="0"/>
               <a:pPr/>
-              <a:t>6/9/2018</a:t>
+              <a:t>6/10/2018</a:t>
             </a:fld>
             <a:endParaRPr lang="en-US" dirty="0"/>
           </a:p>
@@ -4596,7 +4596,7 @@
             <a:fld id="{B61BEF0D-F0BB-DE4B-95CE-6DB70DBA9567}" type="datetimeFigureOut">
               <a:rPr lang="en-US" dirty="0"/>
               <a:pPr/>
-              <a:t>6/9/2018</a:t>
+              <a:t>6/10/2018</a:t>
             </a:fld>
             <a:endParaRPr lang="en-US" dirty="0"/>
           </a:p>
@@ -4915,7 +4915,7 @@
             <a:fld id="{B61BEF0D-F0BB-DE4B-95CE-6DB70DBA9567}" type="datetimeFigureOut">
               <a:rPr lang="en-US" dirty="0"/>
               <a:pPr/>
-              <a:t>6/9/2018</a:t>
+              <a:t>6/10/2018</a:t>
             </a:fld>
             <a:endParaRPr lang="en-US" dirty="0"/>
           </a:p>
@@ -5156,7 +5156,7 @@
             <a:fld id="{B61BEF0D-F0BB-DE4B-95CE-6DB70DBA9567}" type="datetimeFigureOut">
               <a:rPr lang="en-US" dirty="0"/>
               <a:pPr/>
-              <a:t>6/9/2018</a:t>
+              <a:t>6/10/2018</a:t>
             </a:fld>
             <a:endParaRPr lang="en-US" dirty="0"/>
           </a:p>
@@ -8491,7 +8491,7 @@
               </a:lnSpc>
             </a:pPr>
             <a:r>
-              <a:rPr lang="pt-PT" sz="2900" dirty="0"/>
+              <a:rPr lang="pt-PT" sz="2600" dirty="0"/>
               <a:t>Quais foram os medicamentos prescritos por determinado médico?</a:t>
             </a:r>
           </a:p>
@@ -8503,11 +8503,11 @@
               <a:buNone/>
             </a:pPr>
             <a:r>
-              <a:rPr lang="pt-PT" sz="2900" dirty="0"/>
+              <a:rPr lang="pt-PT" sz="2600" dirty="0"/>
               <a:t>	</a:t>
             </a:r>
             <a:r>
-              <a:rPr lang="pt-PT" altLang="pt-PT" sz="2900" dirty="0">
+              <a:rPr lang="pt-PT" altLang="pt-PT" sz="2600" dirty="0">
                 <a:solidFill>
                   <a:schemeClr val="tx1"/>
                 </a:solidFill>
@@ -8518,7 +8518,7 @@
               <a:t>Com esta </a:t>
             </a:r>
             <a:r>
-              <a:rPr lang="pt-PT" altLang="pt-PT" sz="2900" dirty="0" err="1">
+              <a:rPr lang="pt-PT" altLang="pt-PT" sz="2600" dirty="0" err="1">
                 <a:solidFill>
                   <a:schemeClr val="tx1"/>
                 </a:solidFill>
@@ -8529,7 +8529,7 @@
               <a:t>query</a:t>
             </a:r>
             <a:r>
-              <a:rPr lang="pt-PT" altLang="pt-PT" sz="2900" dirty="0">
+              <a:rPr lang="pt-PT" altLang="pt-PT" sz="2600" dirty="0">
                 <a:solidFill>
                   <a:schemeClr val="tx1"/>
                 </a:solidFill>
@@ -8539,7 +8539,7 @@
               </a:rPr>
               <a:t> conseguimos descobrir qual médico prescrever determinado medicamento, aparecendo o nome do medicamento e do médico</a:t>
             </a:r>
-            <a:endParaRPr lang="pt-PT" sz="2900" dirty="0">
+            <a:endParaRPr lang="pt-PT" sz="2600" dirty="0">
               <a:latin typeface="+mj-lt"/>
             </a:endParaRPr>
           </a:p>

--- a/Apresentação.pptx
+++ b/Apresentação.pptx
@@ -21,6 +21,7 @@
     <p:sldId id="265" r:id="rId15"/>
     <p:sldId id="272" r:id="rId16"/>
     <p:sldId id="273" r:id="rId17"/>
+    <p:sldId id="274" r:id="rId18"/>
   </p:sldIdLst>
   <p:sldSz cx="12192000" cy="6858000"/>
   <p:notesSz cx="6858000" cy="9144000"/>
@@ -7902,32 +7903,27 @@
       </p:grpSpPr>
       <p:pic>
         <p:nvPicPr>
-          <p:cNvPr id="4" name="Imagem 3">
+          <p:cNvPr id="5" name="Imagem 4">
             <a:extLst>
               <a:ext uri="{FF2B5EF4-FFF2-40B4-BE49-F238E27FC236}">
-                <a16:creationId xmlns:a16="http://schemas.microsoft.com/office/drawing/2014/main" id="{BB7643FB-2CFB-464B-80A5-E05A7C74681D}"/>
+                <a16:creationId xmlns:a16="http://schemas.microsoft.com/office/drawing/2014/main" id="{D0803127-B609-472C-AEF5-24A7ED581D02}"/>
               </a:ext>
             </a:extLst>
           </p:cNvPr>
-          <p:cNvPicPr/>
+          <p:cNvPicPr>
+            <a:picLocks noChangeAspect="1"/>
+          </p:cNvPicPr>
           <p:nvPr/>
         </p:nvPicPr>
-        <p:blipFill>
-          <a:blip r:embed="rId2">
-            <a:extLst>
-              <a:ext uri="{28A0092B-C50C-407E-A947-70E740481C1C}">
-                <a14:useLocalDpi xmlns:a14="http://schemas.microsoft.com/office/drawing/2010/main" val="0"/>
-              </a:ext>
-            </a:extLst>
-          </a:blip>
-          <a:stretch>
-            <a:fillRect/>
-          </a:stretch>
+        <p:blipFill rotWithShape="1">
+          <a:blip r:embed="rId2"/>
+          <a:srcRect b="2239"/>
+          <a:stretch/>
         </p:blipFill>
         <p:spPr>
           <a:xfrm>
-            <a:off x="3167269" y="822356"/>
-            <a:ext cx="8189843" cy="5466829"/>
+            <a:off x="2450195" y="1002660"/>
+            <a:ext cx="8828980" cy="5359503"/>
           </a:xfrm>
           <a:prstGeom prst="rect">
             <a:avLst/>
@@ -7950,8 +7946,8 @@
         </p:nvSpPr>
         <p:spPr>
           <a:xfrm>
-            <a:off x="0" y="822356"/>
-            <a:ext cx="4359474" cy="2336350"/>
+            <a:off x="436308" y="772329"/>
+            <a:ext cx="2962141" cy="2336350"/>
           </a:xfrm>
           <a:prstGeom prst="rect">
             <a:avLst/>
@@ -8450,7 +8446,7 @@
           <a:lstStyle/>
           <a:p>
             <a:r>
-              <a:rPr lang="pt-PT" sz="4000" cap="all" dirty="0"/>
+              <a:rPr lang="pt-PT" sz="4000" cap="all"/>
               <a:t>QUERYS</a:t>
             </a:r>
             <a:endParaRPr lang="pt-PT" sz="3600" dirty="0"/>
@@ -8829,17 +8825,250 @@
         </p:nvSpPr>
         <p:spPr/>
         <p:txBody>
-          <a:bodyPr/>
+          <a:bodyPr>
+            <a:normAutofit fontScale="92500" lnSpcReduction="10000"/>
+          </a:bodyPr>
           <a:lstStyle/>
           <a:p>
-            <a:endParaRPr lang="pt-PT"/>
-          </a:p>
-        </p:txBody>
-      </p:sp>
+            <a:pPr algn="just">
+              <a:lnSpc>
+                <a:spcPct val="150000"/>
+              </a:lnSpc>
+            </a:pPr>
+            <a:r>
+              <a:rPr lang="pt-PT" sz="2000" dirty="0"/>
+              <a:t> </a:t>
+            </a:r>
+            <a:r>
+              <a:rPr lang="pt-PT" sz="2200" dirty="0"/>
+              <a:t>Este trabalho proporcionou um melhor conhecimento nas três disciplinas em questão, tornando-nos mais capazes de resolver problemas tanto relativos a questões teóricas como práticas. </a:t>
+            </a:r>
+          </a:p>
+          <a:p>
+            <a:pPr algn="just">
+              <a:lnSpc>
+                <a:spcPct val="150000"/>
+              </a:lnSpc>
+            </a:pPr>
+            <a:r>
+              <a:rPr lang="pt-PT" sz="2200" dirty="0"/>
+              <a:t> Em suma, na nossa perspetiva, conseguimos ter os resultados esperados. Em Registo Clínico Eletrónico, conseguimos concluir que os dados clínicos guardados não dependem muito do tipo de unidade de saúde e que são resguardados a fim de haver confidencialidade dos dados.</a:t>
+            </a:r>
+          </a:p>
+        </p:txBody>
+      </p:sp>
+      <p:pic>
+        <p:nvPicPr>
+          <p:cNvPr id="5" name="Imagem 4">
+            <a:extLst>
+              <a:ext uri="{FF2B5EF4-FFF2-40B4-BE49-F238E27FC236}">
+                <a16:creationId xmlns:a16="http://schemas.microsoft.com/office/drawing/2014/main" id="{F35F8505-564D-4200-98F1-DCD8A1553A5B}"/>
+              </a:ext>
+            </a:extLst>
+          </p:cNvPr>
+          <p:cNvPicPr/>
+          <p:nvPr/>
+        </p:nvPicPr>
+        <p:blipFill rotWithShape="1">
+          <a:blip r:embed="rId2">
+            <a:extLst>
+              <a:ext uri="{28A0092B-C50C-407E-A947-70E740481C1C}">
+                <a14:useLocalDpi xmlns:a14="http://schemas.microsoft.com/office/drawing/2010/main" val="0"/>
+              </a:ext>
+            </a:extLst>
+          </a:blip>
+          <a:srcRect t="11456" b="14097"/>
+          <a:stretch/>
+        </p:blipFill>
+        <p:spPr bwMode="auto">
+          <a:xfrm>
+            <a:off x="7859762" y="721217"/>
+            <a:ext cx="2834640" cy="1429556"/>
+          </a:xfrm>
+          <a:prstGeom prst="roundRect">
+            <a:avLst>
+              <a:gd name="adj" fmla="val 8594"/>
+            </a:avLst>
+          </a:prstGeom>
+          <a:solidFill>
+            <a:srgbClr val="FFFFFF">
+              <a:shade val="85000"/>
+            </a:srgbClr>
+          </a:solidFill>
+          <a:ln>
+            <a:noFill/>
+          </a:ln>
+          <a:effectLst>
+            <a:reflection blurRad="12700" stA="38000" endPos="28000" dist="5000" dir="5400000" sy="-100000" algn="bl" rotWithShape="0"/>
+          </a:effectLst>
+        </p:spPr>
+      </p:pic>
     </p:spTree>
     <p:extLst>
       <p:ext uri="{BB962C8B-B14F-4D97-AF65-F5344CB8AC3E}">
         <p14:creationId xmlns:p14="http://schemas.microsoft.com/office/powerpoint/2010/main" val="212973798"/>
+      </p:ext>
+    </p:extLst>
+  </p:cSld>
+  <p:clrMapOvr>
+    <a:masterClrMapping/>
+  </p:clrMapOvr>
+</p:sld>
+</file>
+
+<file path=ppt/slides/slide17.xml><?xml version="1.0" encoding="utf-8"?>
+<p:sld xmlns:a="http://schemas.openxmlformats.org/drawingml/2006/main" xmlns:r="http://schemas.openxmlformats.org/officeDocument/2006/relationships" xmlns:p="http://schemas.openxmlformats.org/presentationml/2006/main">
+  <p:cSld>
+    <p:spTree>
+      <p:nvGrpSpPr>
+        <p:cNvPr id="1" name=""/>
+        <p:cNvGrpSpPr/>
+        <p:nvPr/>
+      </p:nvGrpSpPr>
+      <p:grpSpPr>
+        <a:xfrm>
+          <a:off x="0" y="0"/>
+          <a:ext cx="0" cy="0"/>
+          <a:chOff x="0" y="0"/>
+          <a:chExt cx="0" cy="0"/>
+        </a:xfrm>
+      </p:grpSpPr>
+      <p:sp>
+        <p:nvSpPr>
+          <p:cNvPr id="2" name="Título 1">
+            <a:extLst>
+              <a:ext uri="{FF2B5EF4-FFF2-40B4-BE49-F238E27FC236}">
+                <a16:creationId xmlns:a16="http://schemas.microsoft.com/office/drawing/2014/main" id="{175363E2-5366-4B05-BF0F-2B0B085D2F20}"/>
+              </a:ext>
+            </a:extLst>
+          </p:cNvPr>
+          <p:cNvSpPr>
+            <a:spLocks noGrp="1"/>
+          </p:cNvSpPr>
+          <p:nvPr>
+            <p:ph type="title"/>
+          </p:nvPr>
+        </p:nvSpPr>
+        <p:spPr/>
+        <p:txBody>
+          <a:bodyPr/>
+          <a:lstStyle/>
+          <a:p>
+            <a:r>
+              <a:rPr lang="pt-PT" dirty="0"/>
+              <a:t>Conclusão</a:t>
+            </a:r>
+          </a:p>
+        </p:txBody>
+      </p:sp>
+      <p:sp>
+        <p:nvSpPr>
+          <p:cNvPr id="3" name="Marcador de Posição de Conteúdo 2">
+            <a:extLst>
+              <a:ext uri="{FF2B5EF4-FFF2-40B4-BE49-F238E27FC236}">
+                <a16:creationId xmlns:a16="http://schemas.microsoft.com/office/drawing/2014/main" id="{2FF9A044-B6C0-4856-960F-BDF460EC763C}"/>
+              </a:ext>
+            </a:extLst>
+          </p:cNvPr>
+          <p:cNvSpPr>
+            <a:spLocks noGrp="1"/>
+          </p:cNvSpPr>
+          <p:nvPr>
+            <p:ph idx="1"/>
+          </p:nvPr>
+        </p:nvSpPr>
+        <p:spPr/>
+        <p:txBody>
+          <a:bodyPr>
+            <a:normAutofit fontScale="92500" lnSpcReduction="10000"/>
+          </a:bodyPr>
+          <a:lstStyle/>
+          <a:p>
+            <a:pPr algn="just">
+              <a:lnSpc>
+                <a:spcPct val="150000"/>
+              </a:lnSpc>
+            </a:pPr>
+            <a:r>
+              <a:rPr lang="pt-PT" sz="2000" dirty="0"/>
+              <a:t> </a:t>
+            </a:r>
+            <a:r>
+              <a:rPr lang="pt-PT" sz="2200" dirty="0"/>
+              <a:t>Em Análise e Projeto de Sistemas, concluímos que antes de inicializar qualquer projeto, no nosso caso referente a uma clínica, se deve proceder de forma adequada à elaboração de requisitos e diagramas para que as ações sejam bem tomadas e definidas a fim de se criar uma aplicação bem estruturada. </a:t>
+            </a:r>
+          </a:p>
+          <a:p>
+            <a:pPr algn="just">
+              <a:lnSpc>
+                <a:spcPct val="150000"/>
+              </a:lnSpc>
+            </a:pPr>
+            <a:r>
+              <a:rPr lang="pt-PT" sz="2200" dirty="0"/>
+              <a:t> Por fim, em relação a Armazenamento e Acesso a Dados, mesmo com todos os obstáculos conseguimos concluir os objetivos pedidos implementando uma base de dados que responde as </a:t>
+            </a:r>
+            <a:r>
+              <a:rPr lang="pt-PT" sz="2200" dirty="0" err="1"/>
+              <a:t>querys</a:t>
+            </a:r>
+            <a:r>
+              <a:rPr lang="pt-PT" sz="2200" dirty="0"/>
+              <a:t> elaboradas.	</a:t>
+            </a:r>
+          </a:p>
+        </p:txBody>
+      </p:sp>
+      <p:pic>
+        <p:nvPicPr>
+          <p:cNvPr id="4" name="Imagem 3">
+            <a:extLst>
+              <a:ext uri="{FF2B5EF4-FFF2-40B4-BE49-F238E27FC236}">
+                <a16:creationId xmlns:a16="http://schemas.microsoft.com/office/drawing/2014/main" id="{34325BD8-4232-41B4-9F76-66629C23EA5B}"/>
+              </a:ext>
+            </a:extLst>
+          </p:cNvPr>
+          <p:cNvPicPr/>
+          <p:nvPr/>
+        </p:nvPicPr>
+        <p:blipFill rotWithShape="1">
+          <a:blip r:embed="rId2">
+            <a:extLst>
+              <a:ext uri="{28A0092B-C50C-407E-A947-70E740481C1C}">
+                <a14:useLocalDpi xmlns:a14="http://schemas.microsoft.com/office/drawing/2010/main" val="0"/>
+              </a:ext>
+            </a:extLst>
+          </a:blip>
+          <a:srcRect t="11456" b="14097"/>
+          <a:stretch/>
+        </p:blipFill>
+        <p:spPr bwMode="auto">
+          <a:xfrm>
+            <a:off x="7859762" y="721217"/>
+            <a:ext cx="2834640" cy="1429556"/>
+          </a:xfrm>
+          <a:prstGeom prst="roundRect">
+            <a:avLst>
+              <a:gd name="adj" fmla="val 8594"/>
+            </a:avLst>
+          </a:prstGeom>
+          <a:solidFill>
+            <a:srgbClr val="FFFFFF">
+              <a:shade val="85000"/>
+            </a:srgbClr>
+          </a:solidFill>
+          <a:ln>
+            <a:noFill/>
+          </a:ln>
+          <a:effectLst>
+            <a:reflection blurRad="12700" stA="38000" endPos="28000" dist="5000" dir="5400000" sy="-100000" algn="bl" rotWithShape="0"/>
+          </a:effectLst>
+        </p:spPr>
+      </p:pic>
+    </p:spTree>
+    <p:extLst>
+      <p:ext uri="{BB962C8B-B14F-4D97-AF65-F5344CB8AC3E}">
+        <p14:creationId xmlns:p14="http://schemas.microsoft.com/office/powerpoint/2010/main" val="3766266747"/>
       </p:ext>
     </p:extLst>
   </p:cSld>
@@ -8935,7 +9164,7 @@
                 <a:latin typeface="+mj-lt"/>
                 <a:cs typeface="Arial" panose="020B0604020202020204" pitchFamily="34" charset="0"/>
               </a:rPr>
-              <a:t>Definimos a existência de três áreas distintas (área administrativa, do médico e do enfermeiro), tendo cada utilizador de cada área papéis e funções diferentes. Cada perfil de utilizador correspondem à sua profissão, só através disso cada elemento pode aceder aos dados do doente, sendo esses dados mais ou menos detalhados conforme o caso. </a:t>
+              <a:t>Definimos a existência de três áreas distintas (área administrativa, do médico e do enfermeiro), tendo cada utilizador de cada área papéis e funções diferentes. Cada perfil de utilizador corresponde à sua profissão, só através disso cada elemento pode aceder aos dados do doente, sendo esses dados mais ou menos detalhados conforme o caso. </a:t>
             </a:r>
           </a:p>
         </p:txBody>
